--- a/Components_placement.pptx
+++ b/Components_placement.pptx
@@ -104,6 +104,22 @@
       </a:defRPr>
     </a:lvl9pPr>
   </p:defaultTextStyle>
+  <p:extLst>
+    <p:ext uri="{EFAFB233-063F-42B5-8137-9DF3F51BA10A}">
+      <p15:sldGuideLst xmlns:p15="http://schemas.microsoft.com/office/powerpoint/2012/main">
+        <p15:guide id="1" orient="horz" pos="2160">
+          <p15:clr>
+            <a:srgbClr val="A4A3A4"/>
+          </p15:clr>
+        </p15:guide>
+        <p15:guide id="2" pos="2880">
+          <p15:clr>
+            <a:srgbClr val="A4A3A4"/>
+          </p15:clr>
+        </p15:guide>
+      </p15:sldGuideLst>
+    </p:ext>
+  </p:extLst>
 </p:presentation>
 </file>
 
@@ -289,7 +305,7 @@
             <a:fld id="{AA309A6D-C09C-4548-B29A-6CF363A7E532}" type="datetimeFigureOut">
               <a:rPr lang="fr-FR" smtClean="0"/>
               <a:pPr/>
-              <a:t>17/06/2024</a:t>
+              <a:t>22/07/2024</a:t>
             </a:fld>
             <a:endParaRPr lang="fr-BE"/>
           </a:p>
@@ -456,7 +472,7 @@
             <a:fld id="{AA309A6D-C09C-4548-B29A-6CF363A7E532}" type="datetimeFigureOut">
               <a:rPr lang="fr-FR" smtClean="0"/>
               <a:pPr/>
-              <a:t>17/06/2024</a:t>
+              <a:t>22/07/2024</a:t>
             </a:fld>
             <a:endParaRPr lang="fr-BE"/>
           </a:p>
@@ -633,7 +649,7 @@
             <a:fld id="{AA309A6D-C09C-4548-B29A-6CF363A7E532}" type="datetimeFigureOut">
               <a:rPr lang="fr-FR" smtClean="0"/>
               <a:pPr/>
-              <a:t>17/06/2024</a:t>
+              <a:t>22/07/2024</a:t>
             </a:fld>
             <a:endParaRPr lang="fr-BE"/>
           </a:p>
@@ -800,7 +816,7 @@
             <a:fld id="{AA309A6D-C09C-4548-B29A-6CF363A7E532}" type="datetimeFigureOut">
               <a:rPr lang="fr-FR" smtClean="0"/>
               <a:pPr/>
-              <a:t>17/06/2024</a:t>
+              <a:t>22/07/2024</a:t>
             </a:fld>
             <a:endParaRPr lang="fr-BE"/>
           </a:p>
@@ -1043,7 +1059,7 @@
             <a:fld id="{AA309A6D-C09C-4548-B29A-6CF363A7E532}" type="datetimeFigureOut">
               <a:rPr lang="fr-FR" smtClean="0"/>
               <a:pPr/>
-              <a:t>17/06/2024</a:t>
+              <a:t>22/07/2024</a:t>
             </a:fld>
             <a:endParaRPr lang="fr-BE"/>
           </a:p>
@@ -1328,7 +1344,7 @@
             <a:fld id="{AA309A6D-C09C-4548-B29A-6CF363A7E532}" type="datetimeFigureOut">
               <a:rPr lang="fr-FR" smtClean="0"/>
               <a:pPr/>
-              <a:t>17/06/2024</a:t>
+              <a:t>22/07/2024</a:t>
             </a:fld>
             <a:endParaRPr lang="fr-BE"/>
           </a:p>
@@ -1747,7 +1763,7 @@
             <a:fld id="{AA309A6D-C09C-4548-B29A-6CF363A7E532}" type="datetimeFigureOut">
               <a:rPr lang="fr-FR" smtClean="0"/>
               <a:pPr/>
-              <a:t>17/06/2024</a:t>
+              <a:t>22/07/2024</a:t>
             </a:fld>
             <a:endParaRPr lang="fr-BE"/>
           </a:p>
@@ -1862,7 +1878,7 @@
             <a:fld id="{AA309A6D-C09C-4548-B29A-6CF363A7E532}" type="datetimeFigureOut">
               <a:rPr lang="fr-FR" smtClean="0"/>
               <a:pPr/>
-              <a:t>17/06/2024</a:t>
+              <a:t>22/07/2024</a:t>
             </a:fld>
             <a:endParaRPr lang="fr-BE"/>
           </a:p>
@@ -1954,7 +1970,7 @@
             <a:fld id="{AA309A6D-C09C-4548-B29A-6CF363A7E532}" type="datetimeFigureOut">
               <a:rPr lang="fr-FR" smtClean="0"/>
               <a:pPr/>
-              <a:t>17/06/2024</a:t>
+              <a:t>22/07/2024</a:t>
             </a:fld>
             <a:endParaRPr lang="fr-BE"/>
           </a:p>
@@ -2228,7 +2244,7 @@
             <a:fld id="{AA309A6D-C09C-4548-B29A-6CF363A7E532}" type="datetimeFigureOut">
               <a:rPr lang="fr-FR" smtClean="0"/>
               <a:pPr/>
-              <a:t>17/06/2024</a:t>
+              <a:t>22/07/2024</a:t>
             </a:fld>
             <a:endParaRPr lang="fr-BE"/>
           </a:p>
@@ -2478,7 +2494,7 @@
             <a:fld id="{AA309A6D-C09C-4548-B29A-6CF363A7E532}" type="datetimeFigureOut">
               <a:rPr lang="fr-FR" smtClean="0"/>
               <a:pPr/>
-              <a:t>17/06/2024</a:t>
+              <a:t>22/07/2024</a:t>
             </a:fld>
             <a:endParaRPr lang="fr-BE"/>
           </a:p>
@@ -2688,7 +2704,7 @@
             <a:fld id="{AA309A6D-C09C-4548-B29A-6CF363A7E532}" type="datetimeFigureOut">
               <a:rPr lang="fr-FR" smtClean="0"/>
               <a:pPr/>
-              <a:t>17/06/2024</a:t>
+              <a:t>22/07/2024</a:t>
             </a:fld>
             <a:endParaRPr lang="fr-BE"/>
           </a:p>
@@ -3105,7 +3121,11 @@
             </a:schemeClr>
           </a:solidFill>
           <a:ln>
-            <a:noFill/>
+            <a:solidFill>
+              <a:schemeClr val="accent1">
+                <a:shade val="50000"/>
+              </a:schemeClr>
+            </a:solidFill>
           </a:ln>
         </p:spPr>
         <p:style>
@@ -3153,7 +3173,7 @@
         </p:nvSpPr>
         <p:spPr>
           <a:xfrm>
-            <a:off x="467544" y="3145580"/>
+            <a:off x="431540" y="3140968"/>
             <a:ext cx="144016" cy="144016"/>
           </a:xfrm>
           <a:prstGeom prst="ellipse">
@@ -3211,7 +3231,11 @@
             </a:schemeClr>
           </a:solidFill>
           <a:ln>
-            <a:noFill/>
+            <a:solidFill>
+              <a:schemeClr val="accent1">
+                <a:shade val="50000"/>
+              </a:schemeClr>
+            </a:solidFill>
           </a:ln>
         </p:spPr>
         <p:style>
@@ -3259,7 +3283,7 @@
         </p:nvSpPr>
         <p:spPr>
           <a:xfrm>
-            <a:off x="3419872" y="4225700"/>
+            <a:off x="3419872" y="4257092"/>
             <a:ext cx="144016" cy="144016"/>
           </a:xfrm>
           <a:prstGeom prst="ellipse">
@@ -3317,7 +3341,11 @@
             </a:schemeClr>
           </a:solidFill>
           <a:ln>
-            <a:noFill/>
+            <a:solidFill>
+              <a:schemeClr val="accent1">
+                <a:shade val="50000"/>
+              </a:schemeClr>
+            </a:solidFill>
           </a:ln>
         </p:spPr>
         <p:style>
@@ -3365,7 +3393,7 @@
         </p:nvSpPr>
         <p:spPr>
           <a:xfrm>
-            <a:off x="6372200" y="3433612"/>
+            <a:off x="6372200" y="3465004"/>
             <a:ext cx="144016" cy="144016"/>
           </a:xfrm>
           <a:prstGeom prst="ellipse">
@@ -3506,7 +3534,7 @@
           <p:nvPr/>
         </p:nvSpPr>
         <p:spPr>
-          <a:xfrm rot="15933401">
+          <a:xfrm rot="16200000">
             <a:off x="3271530" y="1657845"/>
             <a:ext cx="360040" cy="180020"/>
           </a:xfrm>
@@ -4420,7 +4448,7 @@
         <p:spPr>
           <a:xfrm>
             <a:off x="8064388" y="2951656"/>
-            <a:ext cx="646331" cy="369332"/>
+            <a:ext cx="699230" cy="369332"/>
           </a:xfrm>
           <a:prstGeom prst="rect">
             <a:avLst/>
@@ -4435,7 +4463,7 @@
           <a:p>
             <a:r>
               <a:rPr lang="fr-FR" dirty="0" smtClean="0"/>
-              <a:t>10nF</a:t>
+              <a:t>10 nF</a:t>
             </a:r>
             <a:endParaRPr lang="fr-FR" dirty="0"/>
           </a:p>
@@ -4450,7 +4478,7 @@
         <p:spPr>
           <a:xfrm>
             <a:off x="8057121" y="3311696"/>
-            <a:ext cx="763351" cy="369332"/>
+            <a:ext cx="816249" cy="369332"/>
           </a:xfrm>
           <a:prstGeom prst="rect">
             <a:avLst/>
@@ -4465,7 +4493,7 @@
           <a:p>
             <a:r>
               <a:rPr lang="fr-FR" dirty="0" smtClean="0"/>
-              <a:t>100nF</a:t>
+              <a:t>100 nF</a:t>
             </a:r>
             <a:endParaRPr lang="fr-FR" dirty="0"/>
           </a:p>
@@ -4528,7 +4556,7 @@
         <p:spPr>
           <a:xfrm>
             <a:off x="8064388" y="2591616"/>
-            <a:ext cx="646331" cy="369332"/>
+            <a:ext cx="699230" cy="369332"/>
           </a:xfrm>
           <a:prstGeom prst="rect">
             <a:avLst/>
@@ -4543,7 +4571,7 @@
           <a:p>
             <a:r>
               <a:rPr lang="fr-FR" dirty="0" smtClean="0"/>
-              <a:t>22pF</a:t>
+              <a:t>22 pF</a:t>
             </a:r>
             <a:endParaRPr lang="fr-FR" dirty="0"/>
           </a:p>
@@ -4606,7 +4634,7 @@
         <p:spPr>
           <a:xfrm>
             <a:off x="8097324" y="3671736"/>
-            <a:ext cx="651140" cy="369332"/>
+            <a:ext cx="704039" cy="369332"/>
           </a:xfrm>
           <a:prstGeom prst="rect">
             <a:avLst/>
@@ -4621,7 +4649,406 @@
           <a:p>
             <a:r>
               <a:rPr lang="fr-FR" dirty="0" smtClean="0"/>
-              <a:t>22µF</a:t>
+              <a:t>22 µF</a:t>
+            </a:r>
+            <a:endParaRPr lang="fr-FR" dirty="0"/>
+          </a:p>
+        </p:txBody>
+      </p:sp>
+      <p:sp>
+        <p:nvSpPr>
+          <p:cNvPr id="43" name="Corde 42"/>
+          <p:cNvSpPr/>
+          <p:nvPr/>
+        </p:nvSpPr>
+        <p:spPr>
+          <a:xfrm rot="6759918">
+            <a:off x="6808230" y="3477519"/>
+            <a:ext cx="292791" cy="281690"/>
+          </a:xfrm>
+          <a:prstGeom prst="chord">
+            <a:avLst/>
+          </a:prstGeom>
+        </p:spPr>
+        <p:style>
+          <a:lnRef idx="2">
+            <a:schemeClr val="accent1">
+              <a:shade val="50000"/>
+            </a:schemeClr>
+          </a:lnRef>
+          <a:fillRef idx="1">
+            <a:schemeClr val="accent1"/>
+          </a:fillRef>
+          <a:effectRef idx="0">
+            <a:schemeClr val="accent1"/>
+          </a:effectRef>
+          <a:fontRef idx="minor">
+            <a:schemeClr val="lt1"/>
+          </a:fontRef>
+        </p:style>
+        <p:txBody>
+          <a:bodyPr rtlCol="0" anchor="ctr"/>
+          <a:lstStyle/>
+          <a:p>
+            <a:pPr algn="ctr"/>
+            <a:endParaRPr lang="fr-FR"/>
+          </a:p>
+        </p:txBody>
+      </p:sp>
+      <p:sp>
+        <p:nvSpPr>
+          <p:cNvPr id="45" name="Rectangle 44"/>
+          <p:cNvSpPr/>
+          <p:nvPr/>
+        </p:nvSpPr>
+        <p:spPr>
+          <a:xfrm>
+            <a:off x="7776356" y="4113076"/>
+            <a:ext cx="360040" cy="180020"/>
+          </a:xfrm>
+          <a:prstGeom prst="rect">
+            <a:avLst/>
+          </a:prstGeom>
+          <a:solidFill>
+            <a:schemeClr val="tx2">
+              <a:lumMod val="40000"/>
+              <a:lumOff val="60000"/>
+              <a:alpha val="50000"/>
+            </a:schemeClr>
+          </a:solidFill>
+          <a:ln>
+            <a:noFill/>
+          </a:ln>
+        </p:spPr>
+        <p:style>
+          <a:lnRef idx="2">
+            <a:schemeClr val="accent1">
+              <a:shade val="50000"/>
+            </a:schemeClr>
+          </a:lnRef>
+          <a:fillRef idx="1">
+            <a:schemeClr val="accent1"/>
+          </a:fillRef>
+          <a:effectRef idx="0">
+            <a:schemeClr val="accent1"/>
+          </a:effectRef>
+          <a:fontRef idx="minor">
+            <a:schemeClr val="lt1"/>
+          </a:fontRef>
+        </p:style>
+        <p:txBody>
+          <a:bodyPr rtlCol="0" anchor="ctr"/>
+          <a:lstStyle/>
+          <a:p>
+            <a:pPr algn="ctr"/>
+            <a:endParaRPr lang="fr-FR"/>
+          </a:p>
+        </p:txBody>
+      </p:sp>
+      <p:sp>
+        <p:nvSpPr>
+          <p:cNvPr id="46" name="ZoneTexte 45"/>
+          <p:cNvSpPr txBox="1"/>
+          <p:nvPr/>
+        </p:nvSpPr>
+        <p:spPr>
+          <a:xfrm>
+            <a:off x="8100392" y="4005064"/>
+            <a:ext cx="612668" cy="369332"/>
+          </a:xfrm>
+          <a:prstGeom prst="rect">
+            <a:avLst/>
+          </a:prstGeom>
+          <a:noFill/>
+        </p:spPr>
+        <p:txBody>
+          <a:bodyPr wrap="none" rtlCol="0">
+            <a:spAutoFit/>
+          </a:bodyPr>
+          <a:lstStyle/>
+          <a:p>
+            <a:r>
+              <a:rPr lang="fr-FR" dirty="0" smtClean="0"/>
+              <a:t>1 k</a:t>
+            </a:r>
+            <a:r>
+              <a:rPr lang="el-GR" dirty="0" smtClean="0"/>
+              <a:t>Ω</a:t>
+            </a:r>
+            <a:endParaRPr lang="fr-FR" dirty="0"/>
+          </a:p>
+        </p:txBody>
+      </p:sp>
+      <p:sp>
+        <p:nvSpPr>
+          <p:cNvPr id="47" name="Rectangle 46"/>
+          <p:cNvSpPr/>
+          <p:nvPr/>
+        </p:nvSpPr>
+        <p:spPr>
+          <a:xfrm rot="5400000">
+            <a:off x="2789802" y="1826822"/>
+            <a:ext cx="360040" cy="180020"/>
+          </a:xfrm>
+          <a:prstGeom prst="rect">
+            <a:avLst/>
+          </a:prstGeom>
+          <a:solidFill>
+            <a:schemeClr val="tx2">
+              <a:lumMod val="40000"/>
+              <a:lumOff val="60000"/>
+              <a:alpha val="50000"/>
+            </a:schemeClr>
+          </a:solidFill>
+          <a:ln>
+            <a:noFill/>
+          </a:ln>
+        </p:spPr>
+        <p:style>
+          <a:lnRef idx="2">
+            <a:schemeClr val="accent1">
+              <a:shade val="50000"/>
+            </a:schemeClr>
+          </a:lnRef>
+          <a:fillRef idx="1">
+            <a:schemeClr val="accent1"/>
+          </a:fillRef>
+          <a:effectRef idx="0">
+            <a:schemeClr val="accent1"/>
+          </a:effectRef>
+          <a:fontRef idx="minor">
+            <a:schemeClr val="lt1"/>
+          </a:fontRef>
+        </p:style>
+        <p:txBody>
+          <a:bodyPr rtlCol="0" anchor="ctr"/>
+          <a:lstStyle/>
+          <a:p>
+            <a:pPr algn="ctr"/>
+            <a:endParaRPr lang="fr-FR"/>
+          </a:p>
+        </p:txBody>
+      </p:sp>
+      <p:sp>
+        <p:nvSpPr>
+          <p:cNvPr id="48" name="ZoneTexte 47"/>
+          <p:cNvSpPr txBox="1"/>
+          <p:nvPr/>
+        </p:nvSpPr>
+        <p:spPr>
+          <a:xfrm>
+            <a:off x="2879812" y="1243789"/>
+            <a:ext cx="792088" cy="276999"/>
+          </a:xfrm>
+          <a:prstGeom prst="rect">
+            <a:avLst/>
+          </a:prstGeom>
+          <a:noFill/>
+        </p:spPr>
+        <p:txBody>
+          <a:bodyPr wrap="square" rtlCol="0">
+            <a:spAutoFit/>
+          </a:bodyPr>
+          <a:lstStyle/>
+          <a:p>
+            <a:r>
+              <a:rPr lang="fr-FR" sz="1200" dirty="0" smtClean="0"/>
+              <a:t>cathode</a:t>
+            </a:r>
+            <a:endParaRPr lang="fr-FR" sz="1200" dirty="0"/>
+          </a:p>
+        </p:txBody>
+      </p:sp>
+      <p:sp>
+        <p:nvSpPr>
+          <p:cNvPr id="49" name="ZoneTexte 48"/>
+          <p:cNvSpPr txBox="1"/>
+          <p:nvPr/>
+        </p:nvSpPr>
+        <p:spPr>
+          <a:xfrm>
+            <a:off x="2915816" y="2132856"/>
+            <a:ext cx="792088" cy="276999"/>
+          </a:xfrm>
+          <a:prstGeom prst="rect">
+            <a:avLst/>
+          </a:prstGeom>
+          <a:noFill/>
+        </p:spPr>
+        <p:txBody>
+          <a:bodyPr wrap="square" rtlCol="0">
+            <a:spAutoFit/>
+          </a:bodyPr>
+          <a:lstStyle/>
+          <a:p>
+            <a:r>
+              <a:rPr lang="fr-FR" sz="1200" dirty="0" smtClean="0"/>
+              <a:t>anode</a:t>
+            </a:r>
+            <a:endParaRPr lang="fr-FR" sz="1200" dirty="0"/>
+          </a:p>
+        </p:txBody>
+      </p:sp>
+      <p:sp>
+        <p:nvSpPr>
+          <p:cNvPr id="24" name="Rectangle 23"/>
+          <p:cNvSpPr/>
+          <p:nvPr/>
+        </p:nvSpPr>
+        <p:spPr>
+          <a:xfrm>
+            <a:off x="5436096" y="188640"/>
+            <a:ext cx="396044" cy="468052"/>
+          </a:xfrm>
+          <a:prstGeom prst="rect">
+            <a:avLst/>
+          </a:prstGeom>
+          <a:solidFill>
+            <a:schemeClr val="accent1">
+              <a:alpha val="45000"/>
+            </a:schemeClr>
+          </a:solidFill>
+        </p:spPr>
+        <p:style>
+          <a:lnRef idx="2">
+            <a:schemeClr val="accent1">
+              <a:shade val="50000"/>
+            </a:schemeClr>
+          </a:lnRef>
+          <a:fillRef idx="1">
+            <a:schemeClr val="accent1"/>
+          </a:fillRef>
+          <a:effectRef idx="0">
+            <a:schemeClr val="accent1"/>
+          </a:effectRef>
+          <a:fontRef idx="minor">
+            <a:schemeClr val="lt1"/>
+          </a:fontRef>
+        </p:style>
+        <p:txBody>
+          <a:bodyPr rtlCol="0" anchor="ctr"/>
+          <a:lstStyle/>
+          <a:p>
+            <a:pPr algn="ctr"/>
+            <a:endParaRPr lang="fr-FR"/>
+          </a:p>
+        </p:txBody>
+      </p:sp>
+      <p:sp>
+        <p:nvSpPr>
+          <p:cNvPr id="50" name="Rectangle 49"/>
+          <p:cNvSpPr/>
+          <p:nvPr/>
+        </p:nvSpPr>
+        <p:spPr>
+          <a:xfrm>
+            <a:off x="7056276" y="584684"/>
+            <a:ext cx="288032" cy="216024"/>
+          </a:xfrm>
+          <a:prstGeom prst="rect">
+            <a:avLst/>
+          </a:prstGeom>
+          <a:solidFill>
+            <a:schemeClr val="accent1">
+              <a:alpha val="45000"/>
+            </a:schemeClr>
+          </a:solidFill>
+        </p:spPr>
+        <p:style>
+          <a:lnRef idx="2">
+            <a:schemeClr val="accent1">
+              <a:shade val="50000"/>
+            </a:schemeClr>
+          </a:lnRef>
+          <a:fillRef idx="1">
+            <a:schemeClr val="accent1"/>
+          </a:fillRef>
+          <a:effectRef idx="0">
+            <a:schemeClr val="accent1"/>
+          </a:effectRef>
+          <a:fontRef idx="minor">
+            <a:schemeClr val="lt1"/>
+          </a:fontRef>
+        </p:style>
+        <p:txBody>
+          <a:bodyPr rtlCol="0" anchor="ctr"/>
+          <a:lstStyle/>
+          <a:p>
+            <a:pPr algn="ctr"/>
+            <a:endParaRPr lang="fr-FR"/>
+          </a:p>
+        </p:txBody>
+      </p:sp>
+      <p:sp>
+        <p:nvSpPr>
+          <p:cNvPr id="51" name="Rectangle 50"/>
+          <p:cNvSpPr/>
+          <p:nvPr/>
+        </p:nvSpPr>
+        <p:spPr>
+          <a:xfrm>
+            <a:off x="7776356" y="4437112"/>
+            <a:ext cx="360040" cy="180020"/>
+          </a:xfrm>
+          <a:prstGeom prst="rect">
+            <a:avLst/>
+          </a:prstGeom>
+          <a:solidFill>
+            <a:schemeClr val="accent1">
+              <a:alpha val="45000"/>
+            </a:schemeClr>
+          </a:solidFill>
+        </p:spPr>
+        <p:style>
+          <a:lnRef idx="2">
+            <a:schemeClr val="accent1">
+              <a:shade val="50000"/>
+            </a:schemeClr>
+          </a:lnRef>
+          <a:fillRef idx="1">
+            <a:schemeClr val="accent1"/>
+          </a:fillRef>
+          <a:effectRef idx="0">
+            <a:schemeClr val="accent1"/>
+          </a:effectRef>
+          <a:fontRef idx="minor">
+            <a:schemeClr val="lt1"/>
+          </a:fontRef>
+        </p:style>
+        <p:txBody>
+          <a:bodyPr rtlCol="0" anchor="ctr"/>
+          <a:lstStyle/>
+          <a:p>
+            <a:pPr algn="ctr"/>
+            <a:endParaRPr lang="fr-FR"/>
+          </a:p>
+        </p:txBody>
+      </p:sp>
+      <p:sp>
+        <p:nvSpPr>
+          <p:cNvPr id="52" name="ZoneTexte 51"/>
+          <p:cNvSpPr txBox="1"/>
+          <p:nvPr/>
+        </p:nvSpPr>
+        <p:spPr>
+          <a:xfrm>
+            <a:off x="8136396" y="4365104"/>
+            <a:ext cx="667619" cy="369332"/>
+          </a:xfrm>
+          <a:prstGeom prst="rect">
+            <a:avLst/>
+          </a:prstGeom>
+          <a:noFill/>
+        </p:spPr>
+        <p:txBody>
+          <a:bodyPr wrap="none" rtlCol="0">
+            <a:spAutoFit/>
+          </a:bodyPr>
+          <a:lstStyle/>
+          <a:p>
+            <a:r>
+              <a:rPr lang="fr-FR" dirty="0" smtClean="0"/>
+              <a:t>chips</a:t>
             </a:r>
             <a:endParaRPr lang="fr-FR" dirty="0"/>
           </a:p>

--- a/Components_placement.pptx
+++ b/Components_placement.pptx
@@ -6,6 +6,9 @@
   </p:sldMasterIdLst>
   <p:sldIdLst>
     <p:sldId id="256" r:id="rId2"/>
+    <p:sldId id="257" r:id="rId3"/>
+    <p:sldId id="258" r:id="rId4"/>
+    <p:sldId id="259" r:id="rId5"/>
   </p:sldIdLst>
   <p:sldSz cx="9144000" cy="6858000" type="screen4x3"/>
   <p:notesSz cx="6858000" cy="9144000"/>
@@ -106,7 +109,7 @@
   </p:defaultTextStyle>
   <p:extLst>
     <p:ext uri="{EFAFB233-063F-42B5-8137-9DF3F51BA10A}">
-      <p15:sldGuideLst xmlns:p15="http://schemas.microsoft.com/office/powerpoint/2012/main">
+      <p15:sldGuideLst xmlns="" xmlns:p15="http://schemas.microsoft.com/office/powerpoint/2012/main">
         <p15:guide id="1" orient="horz" pos="2160">
           <p15:clr>
             <a:srgbClr val="A4A3A4"/>
@@ -305,7 +308,7 @@
             <a:fld id="{AA309A6D-C09C-4548-B29A-6CF363A7E532}" type="datetimeFigureOut">
               <a:rPr lang="fr-FR" smtClean="0"/>
               <a:pPr/>
-              <a:t>22/07/2024</a:t>
+              <a:t>25/07/2024</a:t>
             </a:fld>
             <a:endParaRPr lang="fr-BE"/>
           </a:p>
@@ -472,7 +475,7 @@
             <a:fld id="{AA309A6D-C09C-4548-B29A-6CF363A7E532}" type="datetimeFigureOut">
               <a:rPr lang="fr-FR" smtClean="0"/>
               <a:pPr/>
-              <a:t>22/07/2024</a:t>
+              <a:t>25/07/2024</a:t>
             </a:fld>
             <a:endParaRPr lang="fr-BE"/>
           </a:p>
@@ -649,7 +652,7 @@
             <a:fld id="{AA309A6D-C09C-4548-B29A-6CF363A7E532}" type="datetimeFigureOut">
               <a:rPr lang="fr-FR" smtClean="0"/>
               <a:pPr/>
-              <a:t>22/07/2024</a:t>
+              <a:t>25/07/2024</a:t>
             </a:fld>
             <a:endParaRPr lang="fr-BE"/>
           </a:p>
@@ -816,7 +819,7 @@
             <a:fld id="{AA309A6D-C09C-4548-B29A-6CF363A7E532}" type="datetimeFigureOut">
               <a:rPr lang="fr-FR" smtClean="0"/>
               <a:pPr/>
-              <a:t>22/07/2024</a:t>
+              <a:t>25/07/2024</a:t>
             </a:fld>
             <a:endParaRPr lang="fr-BE"/>
           </a:p>
@@ -1059,7 +1062,7 @@
             <a:fld id="{AA309A6D-C09C-4548-B29A-6CF363A7E532}" type="datetimeFigureOut">
               <a:rPr lang="fr-FR" smtClean="0"/>
               <a:pPr/>
-              <a:t>22/07/2024</a:t>
+              <a:t>25/07/2024</a:t>
             </a:fld>
             <a:endParaRPr lang="fr-BE"/>
           </a:p>
@@ -1344,7 +1347,7 @@
             <a:fld id="{AA309A6D-C09C-4548-B29A-6CF363A7E532}" type="datetimeFigureOut">
               <a:rPr lang="fr-FR" smtClean="0"/>
               <a:pPr/>
-              <a:t>22/07/2024</a:t>
+              <a:t>25/07/2024</a:t>
             </a:fld>
             <a:endParaRPr lang="fr-BE"/>
           </a:p>
@@ -1763,7 +1766,7 @@
             <a:fld id="{AA309A6D-C09C-4548-B29A-6CF363A7E532}" type="datetimeFigureOut">
               <a:rPr lang="fr-FR" smtClean="0"/>
               <a:pPr/>
-              <a:t>22/07/2024</a:t>
+              <a:t>25/07/2024</a:t>
             </a:fld>
             <a:endParaRPr lang="fr-BE"/>
           </a:p>
@@ -1878,7 +1881,7 @@
             <a:fld id="{AA309A6D-C09C-4548-B29A-6CF363A7E532}" type="datetimeFigureOut">
               <a:rPr lang="fr-FR" smtClean="0"/>
               <a:pPr/>
-              <a:t>22/07/2024</a:t>
+              <a:t>25/07/2024</a:t>
             </a:fld>
             <a:endParaRPr lang="fr-BE"/>
           </a:p>
@@ -1970,7 +1973,7 @@
             <a:fld id="{AA309A6D-C09C-4548-B29A-6CF363A7E532}" type="datetimeFigureOut">
               <a:rPr lang="fr-FR" smtClean="0"/>
               <a:pPr/>
-              <a:t>22/07/2024</a:t>
+              <a:t>25/07/2024</a:t>
             </a:fld>
             <a:endParaRPr lang="fr-BE"/>
           </a:p>
@@ -2244,7 +2247,7 @@
             <a:fld id="{AA309A6D-C09C-4548-B29A-6CF363A7E532}" type="datetimeFigureOut">
               <a:rPr lang="fr-FR" smtClean="0"/>
               <a:pPr/>
-              <a:t>22/07/2024</a:t>
+              <a:t>25/07/2024</a:t>
             </a:fld>
             <a:endParaRPr lang="fr-BE"/>
           </a:p>
@@ -2494,7 +2497,7 @@
             <a:fld id="{AA309A6D-C09C-4548-B29A-6CF363A7E532}" type="datetimeFigureOut">
               <a:rPr lang="fr-FR" smtClean="0"/>
               <a:pPr/>
-              <a:t>22/07/2024</a:t>
+              <a:t>25/07/2024</a:t>
             </a:fld>
             <a:endParaRPr lang="fr-BE"/>
           </a:p>
@@ -2704,7 +2707,7 @@
             <a:fld id="{AA309A6D-C09C-4548-B29A-6CF363A7E532}" type="datetimeFigureOut">
               <a:rPr lang="fr-FR" smtClean="0"/>
               <a:pPr/>
-              <a:t>22/07/2024</a:t>
+              <a:t>25/07/2024</a:t>
             </a:fld>
             <a:endParaRPr lang="fr-BE"/>
           </a:p>
@@ -5054,6 +5057,395 @@
           </a:p>
         </p:txBody>
       </p:sp>
+      <p:sp>
+        <p:nvSpPr>
+          <p:cNvPr id="53" name="Rectangle 52"/>
+          <p:cNvSpPr/>
+          <p:nvPr/>
+        </p:nvSpPr>
+        <p:spPr>
+          <a:xfrm rot="16200000">
+            <a:off x="5706126" y="4311098"/>
+            <a:ext cx="360040" cy="180020"/>
+          </a:xfrm>
+          <a:prstGeom prst="rect">
+            <a:avLst/>
+          </a:prstGeom>
+          <a:solidFill>
+            <a:srgbClr val="00B050">
+              <a:alpha val="50000"/>
+            </a:srgbClr>
+          </a:solidFill>
+          <a:ln>
+            <a:noFill/>
+          </a:ln>
+        </p:spPr>
+        <p:style>
+          <a:lnRef idx="2">
+            <a:schemeClr val="accent1">
+              <a:shade val="50000"/>
+            </a:schemeClr>
+          </a:lnRef>
+          <a:fillRef idx="1">
+            <a:schemeClr val="accent1"/>
+          </a:fillRef>
+          <a:effectRef idx="0">
+            <a:schemeClr val="accent1"/>
+          </a:effectRef>
+          <a:fontRef idx="minor">
+            <a:schemeClr val="lt1"/>
+          </a:fontRef>
+        </p:style>
+        <p:txBody>
+          <a:bodyPr rtlCol="0" anchor="ctr"/>
+          <a:lstStyle/>
+          <a:p>
+            <a:pPr algn="ctr"/>
+            <a:endParaRPr lang="fr-FR"/>
+          </a:p>
+        </p:txBody>
+      </p:sp>
+      <p:cxnSp>
+        <p:nvCxnSpPr>
+          <p:cNvPr id="55" name="Connecteur droit 54"/>
+          <p:cNvCxnSpPr>
+            <a:stCxn id="53" idx="3"/>
+            <a:endCxn id="28" idx="3"/>
+          </p:cNvCxnSpPr>
+          <p:nvPr/>
+        </p:nvCxnSpPr>
+        <p:spPr>
+          <a:xfrm>
+            <a:off x="5886146" y="4221088"/>
+            <a:ext cx="216024" cy="4612"/>
+          </a:xfrm>
+          <a:prstGeom prst="line">
+            <a:avLst/>
+          </a:prstGeom>
+          <a:ln w="34925">
+            <a:solidFill>
+              <a:schemeClr val="tx1"/>
+            </a:solidFill>
+          </a:ln>
+        </p:spPr>
+        <p:style>
+          <a:lnRef idx="1">
+            <a:schemeClr val="accent1"/>
+          </a:lnRef>
+          <a:fillRef idx="0">
+            <a:schemeClr val="accent1"/>
+          </a:fillRef>
+          <a:effectRef idx="0">
+            <a:schemeClr val="accent1"/>
+          </a:effectRef>
+          <a:fontRef idx="minor">
+            <a:schemeClr val="tx1"/>
+          </a:fontRef>
+        </p:style>
+      </p:cxnSp>
+      <p:cxnSp>
+        <p:nvCxnSpPr>
+          <p:cNvPr id="56" name="Connecteur droit 55"/>
+          <p:cNvCxnSpPr/>
+          <p:nvPr/>
+        </p:nvCxnSpPr>
+        <p:spPr>
+          <a:xfrm>
+            <a:off x="5868144" y="4581128"/>
+            <a:ext cx="216024" cy="4612"/>
+          </a:xfrm>
+          <a:prstGeom prst="line">
+            <a:avLst/>
+          </a:prstGeom>
+          <a:ln w="34925">
+            <a:solidFill>
+              <a:schemeClr val="tx1"/>
+            </a:solidFill>
+          </a:ln>
+        </p:spPr>
+        <p:style>
+          <a:lnRef idx="1">
+            <a:schemeClr val="accent1"/>
+          </a:lnRef>
+          <a:fillRef idx="0">
+            <a:schemeClr val="accent1"/>
+          </a:fillRef>
+          <a:effectRef idx="0">
+            <a:schemeClr val="accent1"/>
+          </a:effectRef>
+          <a:fontRef idx="minor">
+            <a:schemeClr val="tx1"/>
+          </a:fontRef>
+        </p:style>
+      </p:cxnSp>
+      <p:sp>
+        <p:nvSpPr>
+          <p:cNvPr id="57" name="ZoneTexte 56"/>
+          <p:cNvSpPr txBox="1"/>
+          <p:nvPr/>
+        </p:nvSpPr>
+        <p:spPr>
+          <a:xfrm>
+            <a:off x="5796136" y="3887760"/>
+            <a:ext cx="407484" cy="369332"/>
+          </a:xfrm>
+          <a:prstGeom prst="rect">
+            <a:avLst/>
+          </a:prstGeom>
+          <a:noFill/>
+        </p:spPr>
+        <p:txBody>
+          <a:bodyPr wrap="none" rtlCol="0">
+            <a:spAutoFit/>
+          </a:bodyPr>
+          <a:lstStyle/>
+          <a:p>
+            <a:r>
+              <a:rPr lang="fr-FR" b="1" dirty="0" smtClean="0"/>
+              <a:t>x2</a:t>
+            </a:r>
+            <a:endParaRPr lang="fr-FR" b="1" dirty="0"/>
+          </a:p>
+        </p:txBody>
+      </p:sp>
+    </p:spTree>
+  </p:cSld>
+  <p:clrMapOvr>
+    <a:masterClrMapping/>
+  </p:clrMapOvr>
+  <p:timing>
+    <p:tnLst>
+      <p:par>
+        <p:cTn id="1" dur="indefinite" restart="never" nodeType="tmRoot"/>
+      </p:par>
+    </p:tnLst>
+  </p:timing>
+</p:sld>
+</file>
+
+<file path=ppt/slides/slide2.xml><?xml version="1.0" encoding="utf-8"?>
+<p:sld xmlns:a="http://schemas.openxmlformats.org/drawingml/2006/main" xmlns:r="http://schemas.openxmlformats.org/officeDocument/2006/relationships" xmlns:p="http://schemas.openxmlformats.org/presentationml/2006/main">
+  <p:cSld>
+    <p:spTree>
+      <p:nvGrpSpPr>
+        <p:cNvPr id="1" name=""/>
+        <p:cNvGrpSpPr/>
+        <p:nvPr/>
+      </p:nvGrpSpPr>
+      <p:grpSpPr>
+        <a:xfrm>
+          <a:off x="0" y="0"/>
+          <a:ext cx="0" cy="0"/>
+          <a:chOff x="0" y="0"/>
+          <a:chExt cx="0" cy="0"/>
+        </a:xfrm>
+      </p:grpSpPr>
+      <p:pic>
+        <p:nvPicPr>
+          <p:cNvPr id="1026" name="Picture 2"/>
+          <p:cNvPicPr>
+            <a:picLocks noChangeAspect="1" noChangeArrowheads="1"/>
+          </p:cNvPicPr>
+          <p:nvPr/>
+        </p:nvPicPr>
+        <p:blipFill>
+          <a:blip r:embed="rId2" cstate="print"/>
+          <a:srcRect/>
+          <a:stretch>
+            <a:fillRect/>
+          </a:stretch>
+        </p:blipFill>
+        <p:spPr bwMode="auto">
+          <a:xfrm>
+            <a:off x="-1" y="0"/>
+            <a:ext cx="4263085" cy="3573016"/>
+          </a:xfrm>
+          <a:prstGeom prst="rect">
+            <a:avLst/>
+          </a:prstGeom>
+          <a:noFill/>
+          <a:ln w="9525">
+            <a:noFill/>
+            <a:miter lim="800000"/>
+            <a:headEnd/>
+            <a:tailEnd/>
+          </a:ln>
+        </p:spPr>
+      </p:pic>
+      <p:pic>
+        <p:nvPicPr>
+          <p:cNvPr id="1027" name="Picture 3"/>
+          <p:cNvPicPr>
+            <a:picLocks noChangeAspect="1" noChangeArrowheads="1"/>
+          </p:cNvPicPr>
+          <p:nvPr/>
+        </p:nvPicPr>
+        <p:blipFill>
+          <a:blip r:embed="rId3" cstate="print"/>
+          <a:srcRect/>
+          <a:stretch>
+            <a:fillRect/>
+          </a:stretch>
+        </p:blipFill>
+        <p:spPr bwMode="auto">
+          <a:xfrm>
+            <a:off x="4319972" y="-1"/>
+            <a:ext cx="4824028" cy="3573017"/>
+          </a:xfrm>
+          <a:prstGeom prst="rect">
+            <a:avLst/>
+          </a:prstGeom>
+          <a:noFill/>
+          <a:ln w="9525">
+            <a:noFill/>
+            <a:miter lim="800000"/>
+            <a:headEnd/>
+            <a:tailEnd/>
+          </a:ln>
+        </p:spPr>
+      </p:pic>
+    </p:spTree>
+  </p:cSld>
+  <p:clrMapOvr>
+    <a:masterClrMapping/>
+  </p:clrMapOvr>
+  <p:timing>
+    <p:tnLst>
+      <p:par>
+        <p:cTn id="1" dur="indefinite" restart="never" nodeType="tmRoot"/>
+      </p:par>
+    </p:tnLst>
+  </p:timing>
+</p:sld>
+</file>
+
+<file path=ppt/slides/slide3.xml><?xml version="1.0" encoding="utf-8"?>
+<p:sld xmlns:a="http://schemas.openxmlformats.org/drawingml/2006/main" xmlns:r="http://schemas.openxmlformats.org/officeDocument/2006/relationships" xmlns:p="http://schemas.openxmlformats.org/presentationml/2006/main">
+  <p:cSld>
+    <p:spTree>
+      <p:nvGrpSpPr>
+        <p:cNvPr id="1" name=""/>
+        <p:cNvGrpSpPr/>
+        <p:nvPr/>
+      </p:nvGrpSpPr>
+      <p:grpSpPr>
+        <a:xfrm>
+          <a:off x="0" y="0"/>
+          <a:ext cx="0" cy="0"/>
+          <a:chOff x="0" y="0"/>
+          <a:chExt cx="0" cy="0"/>
+        </a:xfrm>
+      </p:grpSpPr>
+      <p:pic>
+        <p:nvPicPr>
+          <p:cNvPr id="2051" name="Picture 3" descr="C:\Users\BOICHOT\Downloads\IMG_20240725_213639.jpg"/>
+          <p:cNvPicPr>
+            <a:picLocks noChangeAspect="1" noChangeArrowheads="1"/>
+          </p:cNvPicPr>
+          <p:nvPr/>
+        </p:nvPicPr>
+        <p:blipFill>
+          <a:blip r:embed="rId2" cstate="print"/>
+          <a:srcRect/>
+          <a:stretch>
+            <a:fillRect/>
+          </a:stretch>
+        </p:blipFill>
+        <p:spPr bwMode="auto">
+          <a:xfrm>
+            <a:off x="683568" y="0"/>
+            <a:ext cx="7902351" cy="6858000"/>
+          </a:xfrm>
+          <a:prstGeom prst="rect">
+            <a:avLst/>
+          </a:prstGeom>
+          <a:noFill/>
+        </p:spPr>
+      </p:pic>
+    </p:spTree>
+  </p:cSld>
+  <p:clrMapOvr>
+    <a:masterClrMapping/>
+  </p:clrMapOvr>
+  <p:timing>
+    <p:tnLst>
+      <p:par>
+        <p:cTn id="1" dur="indefinite" restart="never" nodeType="tmRoot"/>
+      </p:par>
+    </p:tnLst>
+  </p:timing>
+</p:sld>
+</file>
+
+<file path=ppt/slides/slide4.xml><?xml version="1.0" encoding="utf-8"?>
+<p:sld xmlns:a="http://schemas.openxmlformats.org/drawingml/2006/main" xmlns:r="http://schemas.openxmlformats.org/officeDocument/2006/relationships" xmlns:p="http://schemas.openxmlformats.org/presentationml/2006/main">
+  <p:cSld>
+    <p:spTree>
+      <p:nvGrpSpPr>
+        <p:cNvPr id="1" name=""/>
+        <p:cNvGrpSpPr/>
+        <p:nvPr/>
+      </p:nvGrpSpPr>
+      <p:grpSpPr>
+        <a:xfrm>
+          <a:off x="0" y="0"/>
+          <a:ext cx="0" cy="0"/>
+          <a:chOff x="0" y="0"/>
+          <a:chExt cx="0" cy="0"/>
+        </a:xfrm>
+      </p:grpSpPr>
+      <p:pic>
+        <p:nvPicPr>
+          <p:cNvPr id="3074" name="Picture 2" descr="C:\Users\BOICHOT\Downloads\IMG_20240725_213557.jpg"/>
+          <p:cNvPicPr>
+            <a:picLocks noChangeAspect="1" noChangeArrowheads="1"/>
+          </p:cNvPicPr>
+          <p:nvPr/>
+        </p:nvPicPr>
+        <p:blipFill>
+          <a:blip r:embed="rId2" cstate="print"/>
+          <a:srcRect/>
+          <a:stretch>
+            <a:fillRect/>
+          </a:stretch>
+        </p:blipFill>
+        <p:spPr bwMode="auto">
+          <a:xfrm>
+            <a:off x="107504" y="0"/>
+            <a:ext cx="4212468" cy="6853938"/>
+          </a:xfrm>
+          <a:prstGeom prst="rect">
+            <a:avLst/>
+          </a:prstGeom>
+          <a:noFill/>
+        </p:spPr>
+      </p:pic>
+      <p:pic>
+        <p:nvPicPr>
+          <p:cNvPr id="3076" name="Picture 4" descr="C:\Users\BOICHOT\Downloads\IMG_20240725_211903.jpg"/>
+          <p:cNvPicPr>
+            <a:picLocks noChangeAspect="1" noChangeArrowheads="1"/>
+          </p:cNvPicPr>
+          <p:nvPr/>
+        </p:nvPicPr>
+        <p:blipFill>
+          <a:blip r:embed="rId3" cstate="print"/>
+          <a:srcRect/>
+          <a:stretch>
+            <a:fillRect/>
+          </a:stretch>
+        </p:blipFill>
+        <p:spPr bwMode="auto">
+          <a:xfrm>
+            <a:off x="4467354" y="0"/>
+            <a:ext cx="4569142" cy="6858000"/>
+          </a:xfrm>
+          <a:prstGeom prst="rect">
+            <a:avLst/>
+          </a:prstGeom>
+          <a:noFill/>
+        </p:spPr>
+      </p:pic>
     </p:spTree>
   </p:cSld>
   <p:clrMapOvr>

--- a/Components_placement.pptx
+++ b/Components_placement.pptx
@@ -109,7 +109,7 @@
   </p:defaultTextStyle>
   <p:extLst>
     <p:ext uri="{EFAFB233-063F-42B5-8137-9DF3F51BA10A}">
-      <p15:sldGuideLst xmlns="" xmlns:p15="http://schemas.microsoft.com/office/powerpoint/2012/main">
+      <p15:sldGuideLst xmlns:p15="http://schemas.microsoft.com/office/powerpoint/2012/main" xmlns="">
         <p15:guide id="1" orient="horz" pos="2160">
           <p15:clr>
             <a:srgbClr val="A4A3A4"/>
@@ -308,7 +308,7 @@
             <a:fld id="{AA309A6D-C09C-4548-B29A-6CF363A7E532}" type="datetimeFigureOut">
               <a:rPr lang="fr-FR" smtClean="0"/>
               <a:pPr/>
-              <a:t>25/07/2024</a:t>
+              <a:t>26/07/2024</a:t>
             </a:fld>
             <a:endParaRPr lang="fr-BE"/>
           </a:p>
@@ -475,7 +475,7 @@
             <a:fld id="{AA309A6D-C09C-4548-B29A-6CF363A7E532}" type="datetimeFigureOut">
               <a:rPr lang="fr-FR" smtClean="0"/>
               <a:pPr/>
-              <a:t>25/07/2024</a:t>
+              <a:t>26/07/2024</a:t>
             </a:fld>
             <a:endParaRPr lang="fr-BE"/>
           </a:p>
@@ -652,7 +652,7 @@
             <a:fld id="{AA309A6D-C09C-4548-B29A-6CF363A7E532}" type="datetimeFigureOut">
               <a:rPr lang="fr-FR" smtClean="0"/>
               <a:pPr/>
-              <a:t>25/07/2024</a:t>
+              <a:t>26/07/2024</a:t>
             </a:fld>
             <a:endParaRPr lang="fr-BE"/>
           </a:p>
@@ -819,7 +819,7 @@
             <a:fld id="{AA309A6D-C09C-4548-B29A-6CF363A7E532}" type="datetimeFigureOut">
               <a:rPr lang="fr-FR" smtClean="0"/>
               <a:pPr/>
-              <a:t>25/07/2024</a:t>
+              <a:t>26/07/2024</a:t>
             </a:fld>
             <a:endParaRPr lang="fr-BE"/>
           </a:p>
@@ -1062,7 +1062,7 @@
             <a:fld id="{AA309A6D-C09C-4548-B29A-6CF363A7E532}" type="datetimeFigureOut">
               <a:rPr lang="fr-FR" smtClean="0"/>
               <a:pPr/>
-              <a:t>25/07/2024</a:t>
+              <a:t>26/07/2024</a:t>
             </a:fld>
             <a:endParaRPr lang="fr-BE"/>
           </a:p>
@@ -1347,7 +1347,7 @@
             <a:fld id="{AA309A6D-C09C-4548-B29A-6CF363A7E532}" type="datetimeFigureOut">
               <a:rPr lang="fr-FR" smtClean="0"/>
               <a:pPr/>
-              <a:t>25/07/2024</a:t>
+              <a:t>26/07/2024</a:t>
             </a:fld>
             <a:endParaRPr lang="fr-BE"/>
           </a:p>
@@ -1766,7 +1766,7 @@
             <a:fld id="{AA309A6D-C09C-4548-B29A-6CF363A7E532}" type="datetimeFigureOut">
               <a:rPr lang="fr-FR" smtClean="0"/>
               <a:pPr/>
-              <a:t>25/07/2024</a:t>
+              <a:t>26/07/2024</a:t>
             </a:fld>
             <a:endParaRPr lang="fr-BE"/>
           </a:p>
@@ -1881,7 +1881,7 @@
             <a:fld id="{AA309A6D-C09C-4548-B29A-6CF363A7E532}" type="datetimeFigureOut">
               <a:rPr lang="fr-FR" smtClean="0"/>
               <a:pPr/>
-              <a:t>25/07/2024</a:t>
+              <a:t>26/07/2024</a:t>
             </a:fld>
             <a:endParaRPr lang="fr-BE"/>
           </a:p>
@@ -1973,7 +1973,7 @@
             <a:fld id="{AA309A6D-C09C-4548-B29A-6CF363A7E532}" type="datetimeFigureOut">
               <a:rPr lang="fr-FR" smtClean="0"/>
               <a:pPr/>
-              <a:t>25/07/2024</a:t>
+              <a:t>26/07/2024</a:t>
             </a:fld>
             <a:endParaRPr lang="fr-BE"/>
           </a:p>
@@ -2247,7 +2247,7 @@
             <a:fld id="{AA309A6D-C09C-4548-B29A-6CF363A7E532}" type="datetimeFigureOut">
               <a:rPr lang="fr-FR" smtClean="0"/>
               <a:pPr/>
-              <a:t>25/07/2024</a:t>
+              <a:t>26/07/2024</a:t>
             </a:fld>
             <a:endParaRPr lang="fr-BE"/>
           </a:p>
@@ -2497,7 +2497,7 @@
             <a:fld id="{AA309A6D-C09C-4548-B29A-6CF363A7E532}" type="datetimeFigureOut">
               <a:rPr lang="fr-FR" smtClean="0"/>
               <a:pPr/>
-              <a:t>25/07/2024</a:t>
+              <a:t>26/07/2024</a:t>
             </a:fld>
             <a:endParaRPr lang="fr-BE"/>
           </a:p>
@@ -2707,7 +2707,7 @@
             <a:fld id="{AA309A6D-C09C-4548-B29A-6CF363A7E532}" type="datetimeFigureOut">
               <a:rPr lang="fr-FR" smtClean="0"/>
               <a:pPr/>
-              <a:t>25/07/2024</a:t>
+              <a:t>26/07/2024</a:t>
             </a:fld>
             <a:endParaRPr lang="fr-BE"/>
           </a:p>
@@ -4156,13 +4156,13 @@
       </p:sp>
       <p:sp>
         <p:nvSpPr>
-          <p:cNvPr id="28" name="Rectangle 27"/>
+          <p:cNvPr id="29" name="Rectangle 28"/>
           <p:cNvSpPr/>
           <p:nvPr/>
         </p:nvSpPr>
         <p:spPr>
           <a:xfrm rot="16200000">
-            <a:off x="5922150" y="4315710"/>
+            <a:off x="6174178" y="4315710"/>
             <a:ext cx="360040" cy="180020"/>
           </a:xfrm>
           <a:prstGeom prst="rect">
@@ -4204,13 +4204,265 @@
       </p:sp>
       <p:sp>
         <p:nvSpPr>
-          <p:cNvPr id="29" name="Rectangle 28"/>
+          <p:cNvPr id="30" name="Rectangle 29"/>
           <p:cNvSpPr/>
           <p:nvPr/>
         </p:nvSpPr>
         <p:spPr>
           <a:xfrm rot="16200000">
-            <a:off x="6174178" y="4315710"/>
+            <a:off x="1169622" y="4711754"/>
+            <a:ext cx="360040" cy="180020"/>
+          </a:xfrm>
+          <a:prstGeom prst="rect">
+            <a:avLst/>
+          </a:prstGeom>
+          <a:solidFill>
+            <a:srgbClr val="7030A0">
+              <a:alpha val="50000"/>
+            </a:srgbClr>
+          </a:solidFill>
+          <a:ln>
+            <a:noFill/>
+          </a:ln>
+        </p:spPr>
+        <p:style>
+          <a:lnRef idx="2">
+            <a:schemeClr val="accent1">
+              <a:shade val="50000"/>
+            </a:schemeClr>
+          </a:lnRef>
+          <a:fillRef idx="1">
+            <a:schemeClr val="accent1"/>
+          </a:fillRef>
+          <a:effectRef idx="0">
+            <a:schemeClr val="accent1"/>
+          </a:effectRef>
+          <a:fontRef idx="minor">
+            <a:schemeClr val="lt1"/>
+          </a:fontRef>
+        </p:style>
+        <p:txBody>
+          <a:bodyPr rtlCol="0" anchor="ctr"/>
+          <a:lstStyle/>
+          <a:p>
+            <a:pPr algn="ctr"/>
+            <a:endParaRPr lang="fr-FR"/>
+          </a:p>
+        </p:txBody>
+      </p:sp>
+      <p:sp>
+        <p:nvSpPr>
+          <p:cNvPr id="31" name="Rectangle 30"/>
+          <p:cNvSpPr/>
+          <p:nvPr/>
+        </p:nvSpPr>
+        <p:spPr>
+          <a:xfrm>
+            <a:off x="6012160" y="193252"/>
+            <a:ext cx="648072" cy="324036"/>
+          </a:xfrm>
+          <a:prstGeom prst="rect">
+            <a:avLst/>
+          </a:prstGeom>
+          <a:solidFill>
+            <a:srgbClr val="FFC000">
+              <a:alpha val="50000"/>
+            </a:srgbClr>
+          </a:solidFill>
+          <a:ln>
+            <a:noFill/>
+          </a:ln>
+        </p:spPr>
+        <p:style>
+          <a:lnRef idx="2">
+            <a:schemeClr val="accent1">
+              <a:shade val="50000"/>
+            </a:schemeClr>
+          </a:lnRef>
+          <a:fillRef idx="1">
+            <a:schemeClr val="accent1"/>
+          </a:fillRef>
+          <a:effectRef idx="0">
+            <a:schemeClr val="accent1"/>
+          </a:effectRef>
+          <a:fontRef idx="minor">
+            <a:schemeClr val="lt1"/>
+          </a:fontRef>
+        </p:style>
+        <p:txBody>
+          <a:bodyPr rtlCol="0" anchor="ctr"/>
+          <a:lstStyle/>
+          <a:p>
+            <a:pPr algn="ctr"/>
+            <a:endParaRPr lang="fr-FR"/>
+          </a:p>
+        </p:txBody>
+      </p:sp>
+      <p:sp>
+        <p:nvSpPr>
+          <p:cNvPr id="32" name="Rectangle 31"/>
+          <p:cNvSpPr/>
+          <p:nvPr/>
+        </p:nvSpPr>
+        <p:spPr>
+          <a:xfrm>
+            <a:off x="7769089" y="3032956"/>
+            <a:ext cx="360040" cy="180020"/>
+          </a:xfrm>
+          <a:prstGeom prst="rect">
+            <a:avLst/>
+          </a:prstGeom>
+          <a:solidFill>
+            <a:srgbClr val="FF0000">
+              <a:alpha val="50000"/>
+            </a:srgbClr>
+          </a:solidFill>
+          <a:ln>
+            <a:noFill/>
+          </a:ln>
+        </p:spPr>
+        <p:style>
+          <a:lnRef idx="2">
+            <a:schemeClr val="accent1">
+              <a:shade val="50000"/>
+            </a:schemeClr>
+          </a:lnRef>
+          <a:fillRef idx="1">
+            <a:schemeClr val="accent1"/>
+          </a:fillRef>
+          <a:effectRef idx="0">
+            <a:schemeClr val="accent1"/>
+          </a:effectRef>
+          <a:fontRef idx="minor">
+            <a:schemeClr val="lt1"/>
+          </a:fontRef>
+        </p:style>
+        <p:txBody>
+          <a:bodyPr rtlCol="0" anchor="ctr"/>
+          <a:lstStyle/>
+          <a:p>
+            <a:pPr algn="ctr"/>
+            <a:endParaRPr lang="fr-FR"/>
+          </a:p>
+        </p:txBody>
+      </p:sp>
+      <p:sp>
+        <p:nvSpPr>
+          <p:cNvPr id="33" name="Rectangle 32"/>
+          <p:cNvSpPr/>
+          <p:nvPr/>
+        </p:nvSpPr>
+        <p:spPr>
+          <a:xfrm>
+            <a:off x="7769089" y="3392996"/>
+            <a:ext cx="360040" cy="180020"/>
+          </a:xfrm>
+          <a:prstGeom prst="rect">
+            <a:avLst/>
+          </a:prstGeom>
+          <a:solidFill>
+            <a:srgbClr val="7030A0">
+              <a:alpha val="50000"/>
+            </a:srgbClr>
+          </a:solidFill>
+          <a:ln>
+            <a:noFill/>
+          </a:ln>
+        </p:spPr>
+        <p:style>
+          <a:lnRef idx="2">
+            <a:schemeClr val="accent1">
+              <a:shade val="50000"/>
+            </a:schemeClr>
+          </a:lnRef>
+          <a:fillRef idx="1">
+            <a:schemeClr val="accent1"/>
+          </a:fillRef>
+          <a:effectRef idx="0">
+            <a:schemeClr val="accent1"/>
+          </a:effectRef>
+          <a:fontRef idx="minor">
+            <a:schemeClr val="lt1"/>
+          </a:fontRef>
+        </p:style>
+        <p:txBody>
+          <a:bodyPr rtlCol="0" anchor="ctr"/>
+          <a:lstStyle/>
+          <a:p>
+            <a:pPr algn="ctr"/>
+            <a:endParaRPr lang="fr-FR"/>
+          </a:p>
+        </p:txBody>
+      </p:sp>
+      <p:sp>
+        <p:nvSpPr>
+          <p:cNvPr id="36" name="ZoneTexte 35"/>
+          <p:cNvSpPr txBox="1"/>
+          <p:nvPr/>
+        </p:nvSpPr>
+        <p:spPr>
+          <a:xfrm>
+            <a:off x="8064388" y="2951656"/>
+            <a:ext cx="699230" cy="369332"/>
+          </a:xfrm>
+          <a:prstGeom prst="rect">
+            <a:avLst/>
+          </a:prstGeom>
+          <a:noFill/>
+        </p:spPr>
+        <p:txBody>
+          <a:bodyPr wrap="none" rtlCol="0">
+            <a:spAutoFit/>
+          </a:bodyPr>
+          <a:lstStyle/>
+          <a:p>
+            <a:r>
+              <a:rPr lang="fr-FR" dirty="0" smtClean="0"/>
+              <a:t>10 nF</a:t>
+            </a:r>
+            <a:endParaRPr lang="fr-FR" dirty="0"/>
+          </a:p>
+        </p:txBody>
+      </p:sp>
+      <p:sp>
+        <p:nvSpPr>
+          <p:cNvPr id="37" name="ZoneTexte 36"/>
+          <p:cNvSpPr txBox="1"/>
+          <p:nvPr/>
+        </p:nvSpPr>
+        <p:spPr>
+          <a:xfrm>
+            <a:off x="8057121" y="3311696"/>
+            <a:ext cx="816249" cy="369332"/>
+          </a:xfrm>
+          <a:prstGeom prst="rect">
+            <a:avLst/>
+          </a:prstGeom>
+          <a:noFill/>
+        </p:spPr>
+        <p:txBody>
+          <a:bodyPr wrap="none" rtlCol="0">
+            <a:spAutoFit/>
+          </a:bodyPr>
+          <a:lstStyle/>
+          <a:p>
+            <a:r>
+              <a:rPr lang="fr-FR" dirty="0" smtClean="0"/>
+              <a:t>100 nF</a:t>
+            </a:r>
+            <a:endParaRPr lang="fr-FR" dirty="0"/>
+          </a:p>
+        </p:txBody>
+      </p:sp>
+      <p:sp>
+        <p:nvSpPr>
+          <p:cNvPr id="38" name="Rectangle 37"/>
+          <p:cNvSpPr/>
+          <p:nvPr/>
+        </p:nvSpPr>
+        <p:spPr>
+          <a:xfrm>
+            <a:off x="7776356" y="2322168"/>
             <a:ext cx="360040" cy="180020"/>
           </a:xfrm>
           <a:prstGeom prst="rect">
@@ -4252,313 +4504,13 @@
       </p:sp>
       <p:sp>
         <p:nvSpPr>
-          <p:cNvPr id="30" name="Rectangle 29"/>
-          <p:cNvSpPr/>
-          <p:nvPr/>
-        </p:nvSpPr>
-        <p:spPr>
-          <a:xfrm rot="16200000">
-            <a:off x="1169622" y="4711754"/>
-            <a:ext cx="360040" cy="180020"/>
-          </a:xfrm>
-          <a:prstGeom prst="rect">
-            <a:avLst/>
-          </a:prstGeom>
-          <a:solidFill>
-            <a:srgbClr val="7030A0">
-              <a:alpha val="50000"/>
-            </a:srgbClr>
-          </a:solidFill>
-          <a:ln>
-            <a:noFill/>
-          </a:ln>
-        </p:spPr>
-        <p:style>
-          <a:lnRef idx="2">
-            <a:schemeClr val="accent1">
-              <a:shade val="50000"/>
-            </a:schemeClr>
-          </a:lnRef>
-          <a:fillRef idx="1">
-            <a:schemeClr val="accent1"/>
-          </a:fillRef>
-          <a:effectRef idx="0">
-            <a:schemeClr val="accent1"/>
-          </a:effectRef>
-          <a:fontRef idx="minor">
-            <a:schemeClr val="lt1"/>
-          </a:fontRef>
-        </p:style>
-        <p:txBody>
-          <a:bodyPr rtlCol="0" anchor="ctr"/>
-          <a:lstStyle/>
-          <a:p>
-            <a:pPr algn="ctr"/>
-            <a:endParaRPr lang="fr-FR"/>
-          </a:p>
-        </p:txBody>
-      </p:sp>
-      <p:sp>
-        <p:nvSpPr>
-          <p:cNvPr id="31" name="Rectangle 30"/>
-          <p:cNvSpPr/>
-          <p:nvPr/>
-        </p:nvSpPr>
-        <p:spPr>
-          <a:xfrm>
-            <a:off x="6012160" y="193252"/>
-            <a:ext cx="648072" cy="324036"/>
-          </a:xfrm>
-          <a:prstGeom prst="rect">
-            <a:avLst/>
-          </a:prstGeom>
-          <a:solidFill>
-            <a:srgbClr val="FFC000">
-              <a:alpha val="50000"/>
-            </a:srgbClr>
-          </a:solidFill>
-          <a:ln>
-            <a:noFill/>
-          </a:ln>
-        </p:spPr>
-        <p:style>
-          <a:lnRef idx="2">
-            <a:schemeClr val="accent1">
-              <a:shade val="50000"/>
-            </a:schemeClr>
-          </a:lnRef>
-          <a:fillRef idx="1">
-            <a:schemeClr val="accent1"/>
-          </a:fillRef>
-          <a:effectRef idx="0">
-            <a:schemeClr val="accent1"/>
-          </a:effectRef>
-          <a:fontRef idx="minor">
-            <a:schemeClr val="lt1"/>
-          </a:fontRef>
-        </p:style>
-        <p:txBody>
-          <a:bodyPr rtlCol="0" anchor="ctr"/>
-          <a:lstStyle/>
-          <a:p>
-            <a:pPr algn="ctr"/>
-            <a:endParaRPr lang="fr-FR"/>
-          </a:p>
-        </p:txBody>
-      </p:sp>
-      <p:sp>
-        <p:nvSpPr>
-          <p:cNvPr id="32" name="Rectangle 31"/>
-          <p:cNvSpPr/>
-          <p:nvPr/>
-        </p:nvSpPr>
-        <p:spPr>
-          <a:xfrm>
-            <a:off x="7769089" y="3032956"/>
-            <a:ext cx="360040" cy="180020"/>
-          </a:xfrm>
-          <a:prstGeom prst="rect">
-            <a:avLst/>
-          </a:prstGeom>
-          <a:solidFill>
-            <a:srgbClr val="FF0000">
-              <a:alpha val="50000"/>
-            </a:srgbClr>
-          </a:solidFill>
-          <a:ln>
-            <a:noFill/>
-          </a:ln>
-        </p:spPr>
-        <p:style>
-          <a:lnRef idx="2">
-            <a:schemeClr val="accent1">
-              <a:shade val="50000"/>
-            </a:schemeClr>
-          </a:lnRef>
-          <a:fillRef idx="1">
-            <a:schemeClr val="accent1"/>
-          </a:fillRef>
-          <a:effectRef idx="0">
-            <a:schemeClr val="accent1"/>
-          </a:effectRef>
-          <a:fontRef idx="minor">
-            <a:schemeClr val="lt1"/>
-          </a:fontRef>
-        </p:style>
-        <p:txBody>
-          <a:bodyPr rtlCol="0" anchor="ctr"/>
-          <a:lstStyle/>
-          <a:p>
-            <a:pPr algn="ctr"/>
-            <a:endParaRPr lang="fr-FR"/>
-          </a:p>
-        </p:txBody>
-      </p:sp>
-      <p:sp>
-        <p:nvSpPr>
-          <p:cNvPr id="33" name="Rectangle 32"/>
-          <p:cNvSpPr/>
-          <p:nvPr/>
-        </p:nvSpPr>
-        <p:spPr>
-          <a:xfrm>
-            <a:off x="7769089" y="3392996"/>
-            <a:ext cx="360040" cy="180020"/>
-          </a:xfrm>
-          <a:prstGeom prst="rect">
-            <a:avLst/>
-          </a:prstGeom>
-          <a:solidFill>
-            <a:srgbClr val="7030A0">
-              <a:alpha val="50000"/>
-            </a:srgbClr>
-          </a:solidFill>
-          <a:ln>
-            <a:noFill/>
-          </a:ln>
-        </p:spPr>
-        <p:style>
-          <a:lnRef idx="2">
-            <a:schemeClr val="accent1">
-              <a:shade val="50000"/>
-            </a:schemeClr>
-          </a:lnRef>
-          <a:fillRef idx="1">
-            <a:schemeClr val="accent1"/>
-          </a:fillRef>
-          <a:effectRef idx="0">
-            <a:schemeClr val="accent1"/>
-          </a:effectRef>
-          <a:fontRef idx="minor">
-            <a:schemeClr val="lt1"/>
-          </a:fontRef>
-        </p:style>
-        <p:txBody>
-          <a:bodyPr rtlCol="0" anchor="ctr"/>
-          <a:lstStyle/>
-          <a:p>
-            <a:pPr algn="ctr"/>
-            <a:endParaRPr lang="fr-FR"/>
-          </a:p>
-        </p:txBody>
-      </p:sp>
-      <p:sp>
-        <p:nvSpPr>
-          <p:cNvPr id="36" name="ZoneTexte 35"/>
-          <p:cNvSpPr txBox="1"/>
-          <p:nvPr/>
-        </p:nvSpPr>
-        <p:spPr>
-          <a:xfrm>
-            <a:off x="8064388" y="2951656"/>
-            <a:ext cx="699230" cy="369332"/>
-          </a:xfrm>
-          <a:prstGeom prst="rect">
-            <a:avLst/>
-          </a:prstGeom>
-          <a:noFill/>
-        </p:spPr>
-        <p:txBody>
-          <a:bodyPr wrap="none" rtlCol="0">
-            <a:spAutoFit/>
-          </a:bodyPr>
-          <a:lstStyle/>
-          <a:p>
-            <a:r>
-              <a:rPr lang="fr-FR" dirty="0" smtClean="0"/>
-              <a:t>10 nF</a:t>
-            </a:r>
-            <a:endParaRPr lang="fr-FR" dirty="0"/>
-          </a:p>
-        </p:txBody>
-      </p:sp>
-      <p:sp>
-        <p:nvSpPr>
-          <p:cNvPr id="37" name="ZoneTexte 36"/>
-          <p:cNvSpPr txBox="1"/>
-          <p:nvPr/>
-        </p:nvSpPr>
-        <p:spPr>
-          <a:xfrm>
-            <a:off x="8057121" y="3311696"/>
-            <a:ext cx="816249" cy="369332"/>
-          </a:xfrm>
-          <a:prstGeom prst="rect">
-            <a:avLst/>
-          </a:prstGeom>
-          <a:noFill/>
-        </p:spPr>
-        <p:txBody>
-          <a:bodyPr wrap="none" rtlCol="0">
-            <a:spAutoFit/>
-          </a:bodyPr>
-          <a:lstStyle/>
-          <a:p>
-            <a:r>
-              <a:rPr lang="fr-FR" dirty="0" smtClean="0"/>
-              <a:t>100 nF</a:t>
-            </a:r>
-            <a:endParaRPr lang="fr-FR" dirty="0"/>
-          </a:p>
-        </p:txBody>
-      </p:sp>
-      <p:sp>
-        <p:nvSpPr>
-          <p:cNvPr id="38" name="Rectangle 37"/>
-          <p:cNvSpPr/>
-          <p:nvPr/>
-        </p:nvSpPr>
-        <p:spPr>
-          <a:xfrm>
-            <a:off x="7776356" y="2672916"/>
-            <a:ext cx="360040" cy="180020"/>
-          </a:xfrm>
-          <a:prstGeom prst="rect">
-            <a:avLst/>
-          </a:prstGeom>
-          <a:solidFill>
-            <a:srgbClr val="00B050">
-              <a:alpha val="50000"/>
-            </a:srgbClr>
-          </a:solidFill>
-          <a:ln>
-            <a:noFill/>
-          </a:ln>
-        </p:spPr>
-        <p:style>
-          <a:lnRef idx="2">
-            <a:schemeClr val="accent1">
-              <a:shade val="50000"/>
-            </a:schemeClr>
-          </a:lnRef>
-          <a:fillRef idx="1">
-            <a:schemeClr val="accent1"/>
-          </a:fillRef>
-          <a:effectRef idx="0">
-            <a:schemeClr val="accent1"/>
-          </a:effectRef>
-          <a:fontRef idx="minor">
-            <a:schemeClr val="lt1"/>
-          </a:fontRef>
-        </p:style>
-        <p:txBody>
-          <a:bodyPr rtlCol="0" anchor="ctr"/>
-          <a:lstStyle/>
-          <a:p>
-            <a:pPr algn="ctr"/>
-            <a:endParaRPr lang="fr-FR"/>
-          </a:p>
-        </p:txBody>
-      </p:sp>
-      <p:sp>
-        <p:nvSpPr>
           <p:cNvPr id="39" name="ZoneTexte 38"/>
           <p:cNvSpPr txBox="1"/>
           <p:nvPr/>
         </p:nvSpPr>
         <p:spPr>
           <a:xfrm>
-            <a:off x="8064388" y="2591616"/>
+            <a:off x="8064388" y="2240868"/>
             <a:ext cx="699230" cy="369332"/>
           </a:xfrm>
           <a:prstGeom prst="rect">
@@ -5059,25 +5011,27 @@
       </p:sp>
       <p:sp>
         <p:nvSpPr>
-          <p:cNvPr id="53" name="Rectangle 52"/>
+          <p:cNvPr id="54" name="Rectangle 53"/>
           <p:cNvSpPr/>
           <p:nvPr/>
         </p:nvSpPr>
         <p:spPr>
-          <a:xfrm rot="16200000">
-            <a:off x="5706126" y="4311098"/>
+          <a:xfrm>
+            <a:off x="7776356" y="2672916"/>
             <a:ext cx="360040" cy="180020"/>
           </a:xfrm>
           <a:prstGeom prst="rect">
             <a:avLst/>
           </a:prstGeom>
           <a:solidFill>
-            <a:srgbClr val="00B050">
+            <a:srgbClr val="002060">
               <a:alpha val="50000"/>
             </a:srgbClr>
           </a:solidFill>
-          <a:ln>
-            <a:noFill/>
+          <a:ln w="12700">
+            <a:solidFill>
+              <a:srgbClr val="FF0000"/>
+            </a:solidFill>
           </a:ln>
         </p:spPr>
         <p:style>
@@ -5105,89 +5059,16 @@
           </a:p>
         </p:txBody>
       </p:sp>
-      <p:cxnSp>
-        <p:nvCxnSpPr>
-          <p:cNvPr id="55" name="Connecteur droit 54"/>
-          <p:cNvCxnSpPr>
-            <a:stCxn id="53" idx="3"/>
-            <a:endCxn id="28" idx="3"/>
-          </p:cNvCxnSpPr>
-          <p:nvPr/>
-        </p:nvCxnSpPr>
-        <p:spPr>
-          <a:xfrm>
-            <a:off x="5886146" y="4221088"/>
-            <a:ext cx="216024" cy="4612"/>
-          </a:xfrm>
-          <a:prstGeom prst="line">
-            <a:avLst/>
-          </a:prstGeom>
-          <a:ln w="34925">
-            <a:solidFill>
-              <a:schemeClr val="tx1"/>
-            </a:solidFill>
-          </a:ln>
-        </p:spPr>
-        <p:style>
-          <a:lnRef idx="1">
-            <a:schemeClr val="accent1"/>
-          </a:lnRef>
-          <a:fillRef idx="0">
-            <a:schemeClr val="accent1"/>
-          </a:fillRef>
-          <a:effectRef idx="0">
-            <a:schemeClr val="accent1"/>
-          </a:effectRef>
-          <a:fontRef idx="minor">
-            <a:schemeClr val="tx1"/>
-          </a:fontRef>
-        </p:style>
-      </p:cxnSp>
-      <p:cxnSp>
-        <p:nvCxnSpPr>
-          <p:cNvPr id="56" name="Connecteur droit 55"/>
-          <p:cNvCxnSpPr/>
-          <p:nvPr/>
-        </p:nvCxnSpPr>
-        <p:spPr>
-          <a:xfrm>
-            <a:off x="5868144" y="4581128"/>
-            <a:ext cx="216024" cy="4612"/>
-          </a:xfrm>
-          <a:prstGeom prst="line">
-            <a:avLst/>
-          </a:prstGeom>
-          <a:ln w="34925">
-            <a:solidFill>
-              <a:schemeClr val="tx1"/>
-            </a:solidFill>
-          </a:ln>
-        </p:spPr>
-        <p:style>
-          <a:lnRef idx="1">
-            <a:schemeClr val="accent1"/>
-          </a:lnRef>
-          <a:fillRef idx="0">
-            <a:schemeClr val="accent1"/>
-          </a:fillRef>
-          <a:effectRef idx="0">
-            <a:schemeClr val="accent1"/>
-          </a:effectRef>
-          <a:fontRef idx="minor">
-            <a:schemeClr val="tx1"/>
-          </a:fontRef>
-        </p:style>
-      </p:cxnSp>
-      <p:sp>
-        <p:nvSpPr>
-          <p:cNvPr id="57" name="ZoneTexte 56"/>
+      <p:sp>
+        <p:nvSpPr>
+          <p:cNvPr id="58" name="ZoneTexte 57"/>
           <p:cNvSpPr txBox="1"/>
           <p:nvPr/>
         </p:nvSpPr>
         <p:spPr>
           <a:xfrm>
-            <a:off x="5796136" y="3887760"/>
-            <a:ext cx="407484" cy="369332"/>
+            <a:off x="8064388" y="2591616"/>
+            <a:ext cx="699230" cy="369332"/>
           </a:xfrm>
           <a:prstGeom prst="rect">
             <a:avLst/>
@@ -5201,10 +5082,64 @@
           <a:lstStyle/>
           <a:p>
             <a:r>
-              <a:rPr lang="fr-FR" b="1" dirty="0" smtClean="0"/>
-              <a:t>x2</a:t>
-            </a:r>
-            <a:endParaRPr lang="fr-FR" b="1" dirty="0"/>
+              <a:rPr lang="fr-FR" dirty="0" smtClean="0"/>
+              <a:t>39 </a:t>
+            </a:r>
+            <a:r>
+              <a:rPr lang="fr-FR" dirty="0" smtClean="0"/>
+              <a:t>pF</a:t>
+            </a:r>
+            <a:endParaRPr lang="fr-FR" dirty="0"/>
+          </a:p>
+        </p:txBody>
+      </p:sp>
+      <p:sp>
+        <p:nvSpPr>
+          <p:cNvPr id="60" name="Rectangle 59"/>
+          <p:cNvSpPr/>
+          <p:nvPr/>
+        </p:nvSpPr>
+        <p:spPr>
+          <a:xfrm rot="5400000">
+            <a:off x="5922150" y="4311098"/>
+            <a:ext cx="360040" cy="180020"/>
+          </a:xfrm>
+          <a:prstGeom prst="rect">
+            <a:avLst/>
+          </a:prstGeom>
+          <a:solidFill>
+            <a:srgbClr val="002060">
+              <a:alpha val="50000"/>
+            </a:srgbClr>
+          </a:solidFill>
+          <a:ln w="12700">
+            <a:solidFill>
+              <a:srgbClr val="FF0000"/>
+            </a:solidFill>
+          </a:ln>
+        </p:spPr>
+        <p:style>
+          <a:lnRef idx="2">
+            <a:schemeClr val="accent1">
+              <a:shade val="50000"/>
+            </a:schemeClr>
+          </a:lnRef>
+          <a:fillRef idx="1">
+            <a:schemeClr val="accent1"/>
+          </a:fillRef>
+          <a:effectRef idx="0">
+            <a:schemeClr val="accent1"/>
+          </a:effectRef>
+          <a:fontRef idx="minor">
+            <a:schemeClr val="lt1"/>
+          </a:fontRef>
+        </p:style>
+        <p:txBody>
+          <a:bodyPr rtlCol="0" anchor="ctr"/>
+          <a:lstStyle/>
+          <a:p>
+            <a:pPr algn="ctr"/>
+            <a:endParaRPr lang="fr-FR"/>
           </a:p>
         </p:txBody>
       </p:sp>
